--- a/a-star-II.pptx
+++ b/a-star-II.pptx
@@ -5,7 +5,7 @@
     <p:sldMasterId id="2147483648" r:id="rId1"/>
   </p:sldMasterIdLst>
   <p:notesMasterIdLst>
-    <p:notesMasterId r:id="rId15"/>
+    <p:notesMasterId r:id="rId16"/>
   </p:notesMasterIdLst>
   <p:sldIdLst>
     <p:sldId id="256" r:id="rId2"/>
@@ -20,7 +20,8 @@
     <p:sldId id="329" r:id="rId11"/>
     <p:sldId id="360" r:id="rId12"/>
     <p:sldId id="361" r:id="rId13"/>
-    <p:sldId id="362" r:id="rId14"/>
+    <p:sldId id="363" r:id="rId14"/>
+    <p:sldId id="362" r:id="rId15"/>
   </p:sldIdLst>
   <p:sldSz cx="9144000" cy="6858000" type="screen4x3"/>
   <p:notesSz cx="6858000" cy="9144000"/>
@@ -4179,6 +4180,165 @@
 </file>
 
 <file path=ppt/slides/slide13.xml><?xml version="1.0" encoding="utf-8"?>
+<p:sld xmlns:a="http://schemas.openxmlformats.org/drawingml/2006/main" xmlns:r="http://schemas.openxmlformats.org/officeDocument/2006/relationships" xmlns:p="http://schemas.openxmlformats.org/presentationml/2006/main">
+  <p:cSld>
+    <p:spTree>
+      <p:nvGrpSpPr>
+        <p:cNvPr id="1" name=""/>
+        <p:cNvGrpSpPr/>
+        <p:nvPr/>
+      </p:nvGrpSpPr>
+      <p:grpSpPr>
+        <a:xfrm>
+          <a:off x="0" y="0"/>
+          <a:ext cx="0" cy="0"/>
+          <a:chOff x="0" y="0"/>
+          <a:chExt cx="0" cy="0"/>
+        </a:xfrm>
+      </p:grpSpPr>
+      <p:sp>
+        <p:nvSpPr>
+          <p:cNvPr id="2" name="Title 1"/>
+          <p:cNvSpPr>
+            <a:spLocks noGrp="1"/>
+          </p:cNvSpPr>
+          <p:nvPr>
+            <p:ph type="title"/>
+          </p:nvPr>
+        </p:nvSpPr>
+        <p:spPr>
+          <a:xfrm>
+            <a:off x="457200" y="0"/>
+            <a:ext cx="8229600" cy="1143000"/>
+          </a:xfrm>
+        </p:spPr>
+        <p:txBody>
+          <a:bodyPr/>
+          <a:lstStyle/>
+          <a:p>
+            <a:pPr algn="l"/>
+            <a:r>
+              <a:rPr lang="en-US" b="1" dirty="0" smtClean="0">
+                <a:solidFill>
+                  <a:srgbClr val="0070C0"/>
+                </a:solidFill>
+              </a:rPr>
+              <a:t>Heuristics wiki</a:t>
+            </a:r>
+            <a:endParaRPr lang="ar-EG" dirty="0"/>
+          </a:p>
+        </p:txBody>
+      </p:sp>
+      <p:sp>
+        <p:nvSpPr>
+          <p:cNvPr id="3" name="Content Placeholder 2"/>
+          <p:cNvSpPr>
+            <a:spLocks noGrp="1"/>
+          </p:cNvSpPr>
+          <p:nvPr>
+            <p:ph idx="1"/>
+          </p:nvPr>
+        </p:nvSpPr>
+        <p:spPr>
+          <a:xfrm>
+            <a:off x="457200" y="1143000"/>
+            <a:ext cx="8458200" cy="609600"/>
+          </a:xfrm>
+        </p:spPr>
+        <p:txBody>
+          <a:bodyPr>
+            <a:noAutofit/>
+          </a:bodyPr>
+          <a:lstStyle/>
+          <a:p>
+            <a:r>
+              <a:rPr lang="en-US" sz="2800" dirty="0" smtClean="0">
+                <a:hlinkClick r:id="rId2"/>
+              </a:rPr>
+              <a:t>http://heuristicswiki.wikispaces.com</a:t>
+            </a:r>
+            <a:r>
+              <a:rPr lang="en-US" sz="2800" dirty="0" smtClean="0">
+                <a:hlinkClick r:id="rId2"/>
+              </a:rPr>
+              <a:t>/</a:t>
+            </a:r>
+            <a:endParaRPr lang="en-US" sz="2800" dirty="0" smtClean="0"/>
+          </a:p>
+        </p:txBody>
+      </p:sp>
+      <p:sp>
+        <p:nvSpPr>
+          <p:cNvPr id="59397" name="AutoShape 5" descr="manhattan_distance_example.png"/>
+          <p:cNvSpPr>
+            <a:spLocks noChangeAspect="1" noChangeArrowheads="1"/>
+          </p:cNvSpPr>
+          <p:nvPr/>
+        </p:nvSpPr>
+        <p:spPr bwMode="auto">
+          <a:xfrm>
+            <a:off x="-61913" y="-136525"/>
+            <a:ext cx="304801" cy="304800"/>
+          </a:xfrm>
+          <a:prstGeom prst="rect">
+            <a:avLst/>
+          </a:prstGeom>
+          <a:noFill/>
+        </p:spPr>
+        <p:txBody>
+          <a:bodyPr vert="horz" wrap="square" lIns="91440" tIns="45720" rIns="91440" bIns="45720" numCol="1" anchor="t" anchorCtr="0" compatLnSpc="1">
+            <a:prstTxWarp prst="textNoShape">
+              <a:avLst/>
+            </a:prstTxWarp>
+          </a:bodyPr>
+          <a:lstStyle/>
+          <a:p>
+            <a:endParaRPr lang="ar-EG"/>
+          </a:p>
+        </p:txBody>
+      </p:sp>
+      <p:pic>
+        <p:nvPicPr>
+          <p:cNvPr id="1026" name="Picture 2"/>
+          <p:cNvPicPr>
+            <a:picLocks noChangeAspect="1" noChangeArrowheads="1"/>
+          </p:cNvPicPr>
+          <p:nvPr/>
+        </p:nvPicPr>
+        <p:blipFill>
+          <a:blip r:embed="rId3"/>
+          <a:srcRect/>
+          <a:stretch>
+            <a:fillRect/>
+          </a:stretch>
+        </p:blipFill>
+        <p:spPr bwMode="auto">
+          <a:xfrm>
+            <a:off x="609600" y="1752600"/>
+            <a:ext cx="7847832" cy="4800600"/>
+          </a:xfrm>
+          <a:prstGeom prst="rect">
+            <a:avLst/>
+          </a:prstGeom>
+          <a:noFill/>
+          <a:ln w="9525">
+            <a:noFill/>
+            <a:miter lim="800000"/>
+            <a:headEnd/>
+            <a:tailEnd/>
+          </a:ln>
+          <a:effectLst/>
+        </p:spPr>
+      </p:pic>
+    </p:spTree>
+  </p:cSld>
+  <p:clrMapOvr>
+    <a:masterClrMapping/>
+  </p:clrMapOvr>
+</p:sld>
+</file>
+
+<file path=ppt/slides/slide14.xml><?xml version="1.0" encoding="utf-8"?>
 <p:sld xmlns:a="http://schemas.openxmlformats.org/drawingml/2006/main" xmlns:r="http://schemas.openxmlformats.org/officeDocument/2006/relationships" xmlns:p="http://schemas.openxmlformats.org/presentationml/2006/main">
   <p:cSld>
     <p:spTree>
